--- a/EF/PPT/EnityFramework_Core.pptx
+++ b/EF/PPT/EnityFramework_Core.pptx
@@ -155,6 +155,89 @@
 </p:presentation>
 </file>
 
+<file path=ppt/changesInfos/changesInfo1.xml><?xml version="1.0" encoding="utf-8"?>
+<pc:chgInfo xmlns:a="http://schemas.openxmlformats.org/drawingml/2006/main" xmlns:r="http://schemas.openxmlformats.org/officeDocument/2006/relationships" xmlns:ac="http://schemas.microsoft.com/office/drawing/2013/main/command" xmlns:pc="http://schemas.microsoft.com/office/powerpoint/2013/main/command">
+  <pc:docChgLst>
+    <pc:chgData name="naga lakshmi singamsetty" userId="ae11409d641ed257" providerId="LiveId" clId="{730C48C7-7DF5-40F1-A07B-55BFC25A3A4C}"/>
+    <pc:docChg chg="undo custSel modSld">
+      <pc:chgData name="naga lakshmi singamsetty" userId="ae11409d641ed257" providerId="LiveId" clId="{730C48C7-7DF5-40F1-A07B-55BFC25A3A4C}" dt="2024-07-31T09:01:06.599" v="42" actId="478"/>
+      <pc:docMkLst>
+        <pc:docMk/>
+      </pc:docMkLst>
+      <pc:sldChg chg="modSp mod">
+        <pc:chgData name="naga lakshmi singamsetty" userId="ae11409d641ed257" providerId="LiveId" clId="{730C48C7-7DF5-40F1-A07B-55BFC25A3A4C}" dt="2024-07-31T08:56:34.303" v="14" actId="20577"/>
+        <pc:sldMkLst>
+          <pc:docMk/>
+          <pc:sldMk cId="0" sldId="256"/>
+        </pc:sldMkLst>
+        <pc:spChg chg="mod">
+          <ac:chgData name="naga lakshmi singamsetty" userId="ae11409d641ed257" providerId="LiveId" clId="{730C48C7-7DF5-40F1-A07B-55BFC25A3A4C}" dt="2024-07-31T08:56:34.303" v="14" actId="20577"/>
+          <ac:spMkLst>
+            <pc:docMk/>
+            <pc:sldMk cId="0" sldId="256"/>
+            <ac:spMk id="5" creationId="{00000000-0000-0000-0000-000000000000}"/>
+          </ac:spMkLst>
+        </pc:spChg>
+      </pc:sldChg>
+      <pc:sldChg chg="addSp delSp modSp mod">
+        <pc:chgData name="naga lakshmi singamsetty" userId="ae11409d641ed257" providerId="LiveId" clId="{730C48C7-7DF5-40F1-A07B-55BFC25A3A4C}" dt="2024-07-31T09:01:06.599" v="42" actId="478"/>
+        <pc:sldMkLst>
+          <pc:docMk/>
+          <pc:sldMk cId="561477497" sldId="268"/>
+        </pc:sldMkLst>
+        <pc:spChg chg="mod">
+          <ac:chgData name="naga lakshmi singamsetty" userId="ae11409d641ed257" providerId="LiveId" clId="{730C48C7-7DF5-40F1-A07B-55BFC25A3A4C}" dt="2024-07-31T09:01:04.086" v="41" actId="13822"/>
+          <ac:spMkLst>
+            <pc:docMk/>
+            <pc:sldMk cId="561477497" sldId="268"/>
+            <ac:spMk id="2" creationId="{00000000-0000-0000-0000-000000000000}"/>
+          </ac:spMkLst>
+        </pc:spChg>
+        <pc:spChg chg="mod">
+          <ac:chgData name="naga lakshmi singamsetty" userId="ae11409d641ed257" providerId="LiveId" clId="{730C48C7-7DF5-40F1-A07B-55BFC25A3A4C}" dt="2024-07-31T09:00:39.986" v="36" actId="13822"/>
+          <ac:spMkLst>
+            <pc:docMk/>
+            <pc:sldMk cId="561477497" sldId="268"/>
+            <ac:spMk id="3" creationId="{00000000-0000-0000-0000-000000000000}"/>
+          </ac:spMkLst>
+        </pc:spChg>
+        <pc:spChg chg="add del mod">
+          <ac:chgData name="naga lakshmi singamsetty" userId="ae11409d641ed257" providerId="LiveId" clId="{730C48C7-7DF5-40F1-A07B-55BFC25A3A4C}" dt="2024-07-31T09:00:31.672" v="34" actId="11529"/>
+          <ac:spMkLst>
+            <pc:docMk/>
+            <pc:sldMk cId="561477497" sldId="268"/>
+            <ac:spMk id="4" creationId="{E2988917-4EA4-1F8D-7001-FC46B1964721}"/>
+          </ac:spMkLst>
+        </pc:spChg>
+        <pc:spChg chg="add del mod">
+          <ac:chgData name="naga lakshmi singamsetty" userId="ae11409d641ed257" providerId="LiveId" clId="{730C48C7-7DF5-40F1-A07B-55BFC25A3A4C}" dt="2024-07-31T09:01:06.599" v="42" actId="478"/>
+          <ac:spMkLst>
+            <pc:docMk/>
+            <pc:sldMk cId="561477497" sldId="268"/>
+            <ac:spMk id="5" creationId="{B095416D-E5E8-E7A2-9E5F-6E12A9061630}"/>
+          </ac:spMkLst>
+        </pc:spChg>
+      </pc:sldChg>
+      <pc:sldChg chg="modSp mod">
+        <pc:chgData name="naga lakshmi singamsetty" userId="ae11409d641ed257" providerId="LiveId" clId="{730C48C7-7DF5-40F1-A07B-55BFC25A3A4C}" dt="2024-07-31T07:58:19.978" v="2" actId="14100"/>
+        <pc:sldMkLst>
+          <pc:docMk/>
+          <pc:sldMk cId="0" sldId="331"/>
+        </pc:sldMkLst>
+        <pc:graphicFrameChg chg="mod modGraphic">
+          <ac:chgData name="naga lakshmi singamsetty" userId="ae11409d641ed257" providerId="LiveId" clId="{730C48C7-7DF5-40F1-A07B-55BFC25A3A4C}" dt="2024-07-31T07:58:19.978" v="2" actId="14100"/>
+          <ac:graphicFrameMkLst>
+            <pc:docMk/>
+            <pc:sldMk cId="0" sldId="331"/>
+            <ac:graphicFrameMk id="5" creationId="{00000000-0000-0000-0000-000000000000}"/>
+          </ac:graphicFrameMkLst>
+        </pc:graphicFrameChg>
+      </pc:sldChg>
+    </pc:docChg>
+  </pc:docChgLst>
+</pc:chgInfo>
+</file>
+
 <file path=ppt/notesMasters/notesMaster1.xml><?xml version="1.0" encoding="utf-8"?>
 <p:notesMaster xmlns:a="http://schemas.openxmlformats.org/drawingml/2006/main" xmlns:r="http://schemas.openxmlformats.org/officeDocument/2006/relationships" xmlns:p="http://schemas.openxmlformats.org/presentationml/2006/main">
   <p:cSld>
@@ -238,7 +321,7 @@
             <a:fld id="{FD6E9330-9392-43C4-950A-D5CED98CCE45}" type="datetimeFigureOut">
               <a:rPr lang="en-US" smtClean="0"/>
               <a:pPr/>
-              <a:t>8/9/2023</a:t>
+              <a:t>7/31/2024</a:t>
             </a:fld>
             <a:endParaRPr lang="en-US"/>
           </a:p>
@@ -1839,7 +1922,7 @@
             <a:fld id="{1D8BD707-D9CF-40AE-B4C6-C98DA3205C09}" type="datetimeFigureOut">
               <a:rPr lang="en-US" smtClean="0"/>
               <a:pPr/>
-              <a:t>8/9/2023</a:t>
+              <a:t>7/31/2024</a:t>
             </a:fld>
             <a:endParaRPr lang="en-US"/>
           </a:p>
@@ -2031,7 +2114,7 @@
             <a:fld id="{1D8BD707-D9CF-40AE-B4C6-C98DA3205C09}" type="datetimeFigureOut">
               <a:rPr lang="en-US" smtClean="0"/>
               <a:pPr/>
-              <a:t>8/9/2023</a:t>
+              <a:t>7/31/2024</a:t>
             </a:fld>
             <a:endParaRPr lang="en-US"/>
           </a:p>
@@ -2217,7 +2300,7 @@
             <a:fld id="{1D8BD707-D9CF-40AE-B4C6-C98DA3205C09}" type="datetimeFigureOut">
               <a:rPr lang="en-US" smtClean="0"/>
               <a:pPr/>
-              <a:t>8/9/2023</a:t>
+              <a:t>7/31/2024</a:t>
             </a:fld>
             <a:endParaRPr lang="en-US"/>
           </a:p>
@@ -3233,7 +3316,7 @@
             <a:fld id="{1D8BD707-D9CF-40AE-B4C6-C98DA3205C09}" type="datetimeFigureOut">
               <a:rPr lang="en-US" smtClean="0"/>
               <a:pPr/>
-              <a:t>8/9/2023</a:t>
+              <a:t>7/31/2024</a:t>
             </a:fld>
             <a:endParaRPr lang="en-US"/>
           </a:p>
@@ -3650,7 +3733,7 @@
             <a:fld id="{1D8BD707-D9CF-40AE-B4C6-C98DA3205C09}" type="datetimeFigureOut">
               <a:rPr lang="en-US" smtClean="0"/>
               <a:pPr/>
-              <a:t>8/9/2023</a:t>
+              <a:t>7/31/2024</a:t>
             </a:fld>
             <a:endParaRPr lang="en-US"/>
           </a:p>
@@ -3893,7 +3976,7 @@
             <a:fld id="{1D8BD707-D9CF-40AE-B4C6-C98DA3205C09}" type="datetimeFigureOut">
               <a:rPr lang="en-US" smtClean="0"/>
               <a:pPr/>
-              <a:t>8/9/2023</a:t>
+              <a:t>7/31/2024</a:t>
             </a:fld>
             <a:endParaRPr lang="en-US"/>
           </a:p>
@@ -4130,7 +4213,7 @@
             <a:fld id="{1D8BD707-D9CF-40AE-B4C6-C98DA3205C09}" type="datetimeFigureOut">
               <a:rPr lang="en-US" smtClean="0"/>
               <a:pPr/>
-              <a:t>8/9/2023</a:t>
+              <a:t>7/31/2024</a:t>
             </a:fld>
             <a:endParaRPr lang="en-US"/>
           </a:p>
@@ -4326,7 +4409,7 @@
             <a:fld id="{1D8BD707-D9CF-40AE-B4C6-C98DA3205C09}" type="datetimeFigureOut">
               <a:rPr lang="en-US" smtClean="0"/>
               <a:pPr/>
-              <a:t>8/9/2023</a:t>
+              <a:t>7/31/2024</a:t>
             </a:fld>
             <a:endParaRPr lang="en-US"/>
           </a:p>
@@ -4426,7 +4509,7 @@
             <a:fld id="{1D8BD707-D9CF-40AE-B4C6-C98DA3205C09}" type="datetimeFigureOut">
               <a:rPr lang="en-US" smtClean="0"/>
               <a:pPr/>
-              <a:t>8/9/2023</a:t>
+              <a:t>7/31/2024</a:t>
             </a:fld>
             <a:endParaRPr lang="en-US"/>
           </a:p>
@@ -4563,7 +4646,7 @@
             <a:fld id="{1D8BD707-D9CF-40AE-B4C6-C98DA3205C09}" type="datetimeFigureOut">
               <a:rPr lang="en-US" smtClean="0"/>
               <a:pPr/>
-              <a:t>8/9/2023</a:t>
+              <a:t>7/31/2024</a:t>
             </a:fld>
             <a:endParaRPr lang="en-US"/>
           </a:p>
@@ -5082,7 +5165,7 @@
             <a:fld id="{1D8BD707-D9CF-40AE-B4C6-C98DA3205C09}" type="datetimeFigureOut">
               <a:rPr lang="en-US" smtClean="0"/>
               <a:pPr/>
-              <a:t>8/9/2023</a:t>
+              <a:t>7/31/2024</a:t>
             </a:fld>
             <a:endParaRPr lang="en-US"/>
           </a:p>
@@ -5343,7 +5426,7 @@
             <a:fld id="{1D8BD707-D9CF-40AE-B4C6-C98DA3205C09}" type="datetimeFigureOut">
               <a:rPr lang="en-US" smtClean="0"/>
               <a:pPr/>
-              <a:t>8/9/2023</a:t>
+              <a:t>7/31/2024</a:t>
             </a:fld>
             <a:endParaRPr lang="en-US"/>
           </a:p>
@@ -9088,6 +9171,22 @@
           </p:nvPr>
         </p:nvSpPr>
         <p:spPr/>
+        <p:style>
+          <a:lnRef idx="2">
+            <a:schemeClr val="accent1">
+              <a:shade val="15000"/>
+            </a:schemeClr>
+          </a:lnRef>
+          <a:fillRef idx="1">
+            <a:schemeClr val="accent1"/>
+          </a:fillRef>
+          <a:effectRef idx="0">
+            <a:schemeClr val="accent1"/>
+          </a:effectRef>
+          <a:fontRef idx="minor">
+            <a:schemeClr val="lt1"/>
+          </a:fontRef>
+        </p:style>
         <p:txBody>
           <a:bodyPr>
             <a:normAutofit fontScale="90000"/>
@@ -9111,7 +9210,28 @@
             <p:ph sz="quarter" idx="1"/>
           </p:nvPr>
         </p:nvSpPr>
-        <p:spPr/>
+        <p:spPr>
+          <a:xfrm>
+            <a:off x="381000" y="1752600"/>
+            <a:ext cx="8267700" cy="5410200"/>
+          </a:xfrm>
+        </p:spPr>
+        <p:style>
+          <a:lnRef idx="2">
+            <a:schemeClr val="dk1">
+              <a:shade val="15000"/>
+            </a:schemeClr>
+          </a:lnRef>
+          <a:fillRef idx="1">
+            <a:schemeClr val="dk1"/>
+          </a:fillRef>
+          <a:effectRef idx="0">
+            <a:schemeClr val="dk1"/>
+          </a:effectRef>
+          <a:fontRef idx="minor">
+            <a:schemeClr val="lt1"/>
+          </a:fontRef>
+        </p:style>
         <p:txBody>
           <a:bodyPr>
             <a:noAutofit/>
@@ -11784,14 +11904,14 @@
           <p:nvPr>
             <p:extLst>
               <p:ext uri="{D42A27DB-BD31-4B8C-83A1-F6EECF244321}">
-                <p14:modId xmlns:p14="http://schemas.microsoft.com/office/powerpoint/2010/main" val="2789132641"/>
+                <p14:modId xmlns:p14="http://schemas.microsoft.com/office/powerpoint/2010/main" val="1267600279"/>
               </p:ext>
             </p:extLst>
           </p:nvPr>
         </p:nvGraphicFramePr>
         <p:xfrm>
           <a:off x="685800" y="4069080"/>
-          <a:ext cx="8229600" cy="2757173"/>
+          <a:ext cx="7086600" cy="3931920"/>
         </p:xfrm>
         <a:graphic>
           <a:graphicData uri="http://schemas.openxmlformats.org/drawingml/2006/table">
@@ -11800,14 +11920,14 @@
                 <a:tableStyleId>{5C22544A-7EE6-4342-B048-85BDC9FD1C3A}</a:tableStyleId>
               </a:tblPr>
               <a:tblGrid>
-                <a:gridCol w="4114800">
+                <a:gridCol w="3543300">
                   <a:extLst>
                     <a:ext uri="{9D8B030D-6E8A-4147-A177-3AD203B41FA5}">
                       <a16:colId xmlns:a16="http://schemas.microsoft.com/office/drawing/2014/main" val="20000"/>
                     </a:ext>
                   </a:extLst>
                 </a:gridCol>
-                <a:gridCol w="4114800">
+                <a:gridCol w="3543300">
                   <a:extLst>
                     <a:ext uri="{9D8B030D-6E8A-4147-A177-3AD203B41FA5}">
                       <a16:colId xmlns:a16="http://schemas.microsoft.com/office/drawing/2014/main" val="20001"/>
@@ -11815,7 +11935,7 @@
                   </a:extLst>
                 </a:gridCol>
               </a:tblGrid>
-              <a:tr h="321493">
+              <a:tr h="365760">
                 <a:tc>
                   <a:txBody>
                     <a:bodyPr/>
@@ -11858,7 +11978,7 @@
                   </a:ext>
                 </a:extLst>
               </a:tr>
-              <a:tr h="321493">
+              <a:tr h="365760">
                 <a:tc>
                   <a:txBody>
                     <a:bodyPr/>
@@ -11884,7 +12004,7 @@
                     <a:p>
                       <a:pPr fontAlgn="t"/>
                       <a:r>
-                        <a:rPr lang="en-US" u="none" strike="noStrike">
+                        <a:rPr lang="en-US" u="none" strike="noStrike" dirty="0" err="1">
                           <a:solidFill>
                             <a:srgbClr val="007BFF"/>
                           </a:solidFill>
@@ -11892,7 +12012,7 @@
                         </a:rPr>
                         <a:t>Microsoft.EntityFrameworkCore.SqlServer</a:t>
                       </a:r>
-                      <a:endParaRPr lang="en-US">
+                      <a:endParaRPr lang="en-US" dirty="0">
                         <a:solidFill>
                           <a:srgbClr val="414141"/>
                         </a:solidFill>
@@ -11907,7 +12027,7 @@
                   </a:ext>
                 </a:extLst>
               </a:tr>
-              <a:tr h="321493">
+              <a:tr h="365760">
                 <a:tc>
                   <a:txBody>
                     <a:bodyPr/>
@@ -11933,7 +12053,7 @@
                     <a:p>
                       <a:pPr fontAlgn="t"/>
                       <a:r>
-                        <a:rPr lang="en-US" u="none" strike="noStrike">
+                        <a:rPr lang="en-US" u="none" strike="noStrike" dirty="0" err="1">
                           <a:solidFill>
                             <a:srgbClr val="007BFF"/>
                           </a:solidFill>
@@ -11941,7 +12061,7 @@
                         </a:rPr>
                         <a:t>MySql.Data.EntityFrameworkCore</a:t>
                       </a:r>
-                      <a:endParaRPr lang="en-US">
+                      <a:endParaRPr lang="en-US" dirty="0">
                         <a:solidFill>
                           <a:srgbClr val="414141"/>
                         </a:solidFill>
@@ -11956,7 +12076,7 @@
                   </a:ext>
                 </a:extLst>
               </a:tr>
-              <a:tr h="321493">
+              <a:tr h="365760">
                 <a:tc>
                   <a:txBody>
                     <a:bodyPr/>
@@ -11982,7 +12102,7 @@
                     <a:p>
                       <a:pPr fontAlgn="t"/>
                       <a:r>
-                        <a:rPr lang="en-US" u="none" strike="noStrike">
+                        <a:rPr lang="en-US" u="none" strike="noStrike" dirty="0" err="1">
                           <a:solidFill>
                             <a:srgbClr val="007BFF"/>
                           </a:solidFill>
@@ -11990,7 +12110,7 @@
                         </a:rPr>
                         <a:t>Npgsql.EntityFrameworkCore.PostgreSQL</a:t>
                       </a:r>
-                      <a:endParaRPr lang="en-US">
+                      <a:endParaRPr lang="en-US" dirty="0">
                         <a:solidFill>
                           <a:srgbClr val="414141"/>
                         </a:solidFill>
@@ -12005,7 +12125,7 @@
                   </a:ext>
                 </a:extLst>
               </a:tr>
-              <a:tr h="321493">
+              <a:tr h="365760">
                 <a:tc>
                   <a:txBody>
                     <a:bodyPr/>
@@ -12031,7 +12151,7 @@
                     <a:p>
                       <a:pPr fontAlgn="t"/>
                       <a:r>
-                        <a:rPr lang="en-US" u="none" strike="noStrike">
+                        <a:rPr lang="en-US" u="none" strike="noStrike" dirty="0" err="1">
                           <a:solidFill>
                             <a:srgbClr val="007BFF"/>
                           </a:solidFill>
@@ -12039,7 +12159,7 @@
                         </a:rPr>
                         <a:t>Microsoft.EntityFrameworkCore.SQLite</a:t>
                       </a:r>
-                      <a:endParaRPr lang="en-US">
+                      <a:endParaRPr lang="en-US" dirty="0">
                         <a:solidFill>
                           <a:srgbClr val="414141"/>
                         </a:solidFill>
@@ -12103,7 +12223,7 @@
                   </a:ext>
                 </a:extLst>
               </a:tr>
-              <a:tr h="321493">
+              <a:tr h="365760">
                 <a:tc>
                   <a:txBody>
                     <a:bodyPr/>
